--- a/ExpertsLive2016-05-11/Module.2.-.Variables.and.Objects.pptx
+++ b/ExpertsLive2016-05-11/Module.2.-.Variables.and.Objects.pptx
@@ -227,7 +227,7 @@
           <a:p>
             <a:fld id="{3E82F302-A7C8-034E-97BB-FC8263E03487}" type="datetimeFigureOut">
               <a:rPr lang="en-US" smtClean="0"/>
-              <a:t>2016-02-17</a:t>
+              <a:t>2016-05-11</a:t>
             </a:fld>
             <a:endParaRPr lang="en-US"/>
           </a:p>
@@ -2888,8 +2888,12 @@
           <a:lstStyle/>
           <a:p>
             <a:r>
-              <a:rPr lang="nl-NL" dirty="0" smtClean="0"/>
-              <a:t>Windows Server and PowerShell</a:t>
+              <a:rPr lang="nl-NL" dirty="0" err="1" smtClean="0"/>
+              <a:t>PowerShell</a:t>
+            </a:r>
+            <a:r>
+              <a:rPr lang="nl-NL" smtClean="0"/>
+              <a:t> Fundamentals</a:t>
             </a:r>
             <a:endParaRPr lang="nl-NL" dirty="0"/>
           </a:p>
@@ -2914,7 +2918,11 @@
           <a:p>
             <a:r>
               <a:rPr lang="nl-NL" dirty="0" smtClean="0"/>
-              <a:t>Bert Wolters &amp; Jaap Brasser</a:t>
+              <a:t>Jaap </a:t>
+            </a:r>
+            <a:r>
+              <a:rPr lang="nl-NL" dirty="0" smtClean="0"/>
+              <a:t>Brasser</a:t>
             </a:r>
             <a:endParaRPr lang="nl-NL" dirty="0"/>
           </a:p>
@@ -4783,15 +4791,7 @@
             </a:pPr>
             <a:r>
               <a:rPr lang="en-US" dirty="0" smtClean="0"/>
-              <a:t>Each object h</a:t>
-            </a:r>
-            <a:r>
-              <a:rPr lang="en-US" dirty="0" smtClean="0"/>
-              <a:t>as </a:t>
-            </a:r>
-            <a:r>
-              <a:rPr lang="en-US" dirty="0" smtClean="0"/>
-              <a:t>set of properties &amp; methods</a:t>
+              <a:t>Each object has set of properties &amp; methods</a:t>
             </a:r>
           </a:p>
           <a:p>
